--- a/milliomos.pptx
+++ b/milliomos.pptx
@@ -120,6 +120,9 @@
         </p14:section>
       </p14:sectionLst>
     </p:ext>
+    <p:ext uri="{EFAFB233-063F-42B5-8137-9DF3F51BA10A}">
+      <p15:sldGuideLst xmlns:p15="http://schemas.microsoft.com/office/powerpoint/2012/main"/>
+    </p:ext>
   </p:extLst>
 </p:presentation>
 </file>
@@ -271,7 +274,7 @@
           <a:p>
             <a:fld id="{17DA6C2F-336F-4D64-B39A-CC0EA0D10E0D}" type="datetimeFigureOut">
               <a:rPr lang="hu-HU" smtClean="0"/>
-              <a:t>2022.11.23</a:t>
+              <a:t>2022.11.30</a:t>
             </a:fld>
             <a:endParaRPr lang="hu-HU"/>
           </a:p>
@@ -469,7 +472,7 @@
           <a:p>
             <a:fld id="{17DA6C2F-336F-4D64-B39A-CC0EA0D10E0D}" type="datetimeFigureOut">
               <a:rPr lang="hu-HU" smtClean="0"/>
-              <a:t>2022.11.23</a:t>
+              <a:t>2022.11.30</a:t>
             </a:fld>
             <a:endParaRPr lang="hu-HU"/>
           </a:p>
@@ -677,7 +680,7 @@
           <a:p>
             <a:fld id="{17DA6C2F-336F-4D64-B39A-CC0EA0D10E0D}" type="datetimeFigureOut">
               <a:rPr lang="hu-HU" smtClean="0"/>
-              <a:t>2022.11.23</a:t>
+              <a:t>2022.11.30</a:t>
             </a:fld>
             <a:endParaRPr lang="hu-HU"/>
           </a:p>
@@ -875,7 +878,7 @@
           <a:p>
             <a:fld id="{17DA6C2F-336F-4D64-B39A-CC0EA0D10E0D}" type="datetimeFigureOut">
               <a:rPr lang="hu-HU" smtClean="0"/>
-              <a:t>2022.11.23</a:t>
+              <a:t>2022.11.30</a:t>
             </a:fld>
             <a:endParaRPr lang="hu-HU"/>
           </a:p>
@@ -1150,7 +1153,7 @@
           <a:p>
             <a:fld id="{17DA6C2F-336F-4D64-B39A-CC0EA0D10E0D}" type="datetimeFigureOut">
               <a:rPr lang="hu-HU" smtClean="0"/>
-              <a:t>2022.11.23</a:t>
+              <a:t>2022.11.30</a:t>
             </a:fld>
             <a:endParaRPr lang="hu-HU"/>
           </a:p>
@@ -1415,7 +1418,7 @@
           <a:p>
             <a:fld id="{17DA6C2F-336F-4D64-B39A-CC0EA0D10E0D}" type="datetimeFigureOut">
               <a:rPr lang="hu-HU" smtClean="0"/>
-              <a:t>2022.11.23</a:t>
+              <a:t>2022.11.30</a:t>
             </a:fld>
             <a:endParaRPr lang="hu-HU"/>
           </a:p>
@@ -1827,7 +1830,7 @@
           <a:p>
             <a:fld id="{17DA6C2F-336F-4D64-B39A-CC0EA0D10E0D}" type="datetimeFigureOut">
               <a:rPr lang="hu-HU" smtClean="0"/>
-              <a:t>2022.11.23</a:t>
+              <a:t>2022.11.30</a:t>
             </a:fld>
             <a:endParaRPr lang="hu-HU"/>
           </a:p>
@@ -1968,7 +1971,7 @@
           <a:p>
             <a:fld id="{17DA6C2F-336F-4D64-B39A-CC0EA0D10E0D}" type="datetimeFigureOut">
               <a:rPr lang="hu-HU" smtClean="0"/>
-              <a:t>2022.11.23</a:t>
+              <a:t>2022.11.30</a:t>
             </a:fld>
             <a:endParaRPr lang="hu-HU"/>
           </a:p>
@@ -2081,7 +2084,7 @@
           <a:p>
             <a:fld id="{17DA6C2F-336F-4D64-B39A-CC0EA0D10E0D}" type="datetimeFigureOut">
               <a:rPr lang="hu-HU" smtClean="0"/>
-              <a:t>2022.11.23</a:t>
+              <a:t>2022.11.30</a:t>
             </a:fld>
             <a:endParaRPr lang="hu-HU"/>
           </a:p>
@@ -2392,7 +2395,7 @@
           <a:p>
             <a:fld id="{17DA6C2F-336F-4D64-B39A-CC0EA0D10E0D}" type="datetimeFigureOut">
               <a:rPr lang="hu-HU" smtClean="0"/>
-              <a:t>2022.11.23</a:t>
+              <a:t>2022.11.30</a:t>
             </a:fld>
             <a:endParaRPr lang="hu-HU"/>
           </a:p>
@@ -2680,7 +2683,7 @@
           <a:p>
             <a:fld id="{17DA6C2F-336F-4D64-B39A-CC0EA0D10E0D}" type="datetimeFigureOut">
               <a:rPr lang="hu-HU" smtClean="0"/>
-              <a:t>2022.11.23</a:t>
+              <a:t>2022.11.30</a:t>
             </a:fld>
             <a:endParaRPr lang="hu-HU"/>
           </a:p>
@@ -2921,7 +2924,7 @@
           <a:p>
             <a:fld id="{17DA6C2F-336F-4D64-B39A-CC0EA0D10E0D}" type="datetimeFigureOut">
               <a:rPr lang="hu-HU" smtClean="0"/>
-              <a:t>2022.11.23</a:t>
+              <a:t>2022.11.30</a:t>
             </a:fld>
             <a:endParaRPr lang="hu-HU"/>
           </a:p>
@@ -3338,148 +3341,196 @@
           <a:chExt cx="0" cy="0"/>
         </a:xfrm>
       </p:grpSpPr>
-      <p:pic>
-        <p:nvPicPr>
-          <p:cNvPr id="1028" name="Picture 4" descr="Who Wants To Be A Millionaire? - Background Video Loop - YouTube">
-            <a:extLst>
-              <a:ext uri="{FF2B5EF4-FFF2-40B4-BE49-F238E27FC236}">
-                <a16:creationId xmlns:a16="http://schemas.microsoft.com/office/drawing/2014/main" id="{E4421E4F-ED2A-4D17-81E4-E69FAB92DE30}"/>
-              </a:ext>
-            </a:extLst>
-          </p:cNvPr>
-          <p:cNvPicPr>
-            <a:picLocks noChangeAspect="1" noChangeArrowheads="1"/>
-          </p:cNvPicPr>
+      <p:sp>
+        <p:nvSpPr>
+          <p:cNvPr id="5" name="Romboid 4">
+            <a:extLst>
+              <a:ext uri="{FF2B5EF4-FFF2-40B4-BE49-F238E27FC236}">
+                <a16:creationId xmlns:a16="http://schemas.microsoft.com/office/drawing/2014/main" id="{61C98619-3CCF-419C-B12F-A58A44F062BC}"/>
+              </a:ext>
+            </a:extLst>
+          </p:cNvPr>
+          <p:cNvSpPr/>
           <p:nvPr/>
-        </p:nvPicPr>
-        <p:blipFill>
-          <a:blip r:embed="rId2">
-            <a:extLst>
-              <a:ext uri="{28A0092B-C50C-407E-A947-70E740481C1C}">
-                <a14:useLocalDpi xmlns:a14="http://schemas.microsoft.com/office/drawing/2010/main" val="0"/>
-              </a:ext>
-            </a:extLst>
-          </a:blip>
-          <a:srcRect/>
-          <a:stretch>
-            <a:fillRect/>
-          </a:stretch>
-        </p:blipFill>
-        <p:spPr bwMode="auto">
+        </p:nvSpPr>
+        <p:spPr>
+          <a:xfrm>
+            <a:off x="511728" y="1"/>
+            <a:ext cx="10922465" cy="6857999"/>
+          </a:xfrm>
+          <a:prstGeom prst="parallelogram">
+            <a:avLst/>
+          </a:prstGeom>
+          <a:solidFill>
+            <a:schemeClr val="accent6">
+              <a:lumMod val="60000"/>
+              <a:lumOff val="40000"/>
+            </a:schemeClr>
+          </a:solidFill>
+          <a:ln>
+            <a:noFill/>
+          </a:ln>
+        </p:spPr>
+        <p:style>
+          <a:lnRef idx="2">
+            <a:schemeClr val="accent1">
+              <a:shade val="50000"/>
+            </a:schemeClr>
+          </a:lnRef>
+          <a:fillRef idx="1">
+            <a:schemeClr val="accent1"/>
+          </a:fillRef>
+          <a:effectRef idx="0">
+            <a:schemeClr val="accent1"/>
+          </a:effectRef>
+          <a:fontRef idx="minor">
+            <a:schemeClr val="lt1"/>
+          </a:fontRef>
+        </p:style>
+        <p:txBody>
+          <a:bodyPr rtlCol="0" anchor="ctr"/>
+          <a:lstStyle/>
+          <a:p>
+            <a:pPr algn="ctr"/>
+            <a:endParaRPr lang="hu-HU"/>
+          </a:p>
+        </p:txBody>
+      </p:sp>
+      <p:sp>
+        <p:nvSpPr>
+          <p:cNvPr id="2" name="Cím 1">
+            <a:extLst>
+              <a:ext uri="{FF2B5EF4-FFF2-40B4-BE49-F238E27FC236}">
+                <a16:creationId xmlns:a16="http://schemas.microsoft.com/office/drawing/2014/main" id="{5251AC1E-DA67-45C0-9975-178D75EAEC13}"/>
+              </a:ext>
+            </a:extLst>
+          </p:cNvPr>
+          <p:cNvSpPr>
+            <a:spLocks noGrp="1"/>
+          </p:cNvSpPr>
+          <p:nvPr>
+            <p:ph type="ctrTitle"/>
+          </p:nvPr>
+        </p:nvSpPr>
+        <p:spPr>
+          <a:xfrm>
+            <a:off x="1023457" y="2858963"/>
+            <a:ext cx="10029037" cy="1140073"/>
+          </a:xfrm>
+          <a:solidFill>
+            <a:schemeClr val="bg1"/>
+          </a:solidFill>
+        </p:spPr>
+        <p:txBody>
+          <a:bodyPr>
+            <a:noAutofit/>
+          </a:bodyPr>
+          <a:lstStyle/>
+          <a:p>
+            <a:r>
+              <a:rPr lang="hu-HU" sz="7200" b="1" u="sng" dirty="0">
+                <a:latin typeface="+mn-lt"/>
+              </a:rPr>
+              <a:t>Legyen Ön is Milliomos</a:t>
+            </a:r>
+          </a:p>
+        </p:txBody>
+      </p:sp>
+      <p:sp>
+        <p:nvSpPr>
+          <p:cNvPr id="3" name="Alcím 2">
+            <a:extLst>
+              <a:ext uri="{FF2B5EF4-FFF2-40B4-BE49-F238E27FC236}">
+                <a16:creationId xmlns:a16="http://schemas.microsoft.com/office/drawing/2014/main" id="{63D0FA34-CD1F-4C46-B04B-9B23157A6AD9}"/>
+              </a:ext>
+            </a:extLst>
+          </p:cNvPr>
+          <p:cNvSpPr>
+            <a:spLocks noGrp="1"/>
+          </p:cNvSpPr>
+          <p:nvPr>
+            <p:ph type="subTitle" idx="1"/>
+          </p:nvPr>
+        </p:nvSpPr>
+        <p:spPr>
+          <a:xfrm>
+            <a:off x="-1" y="6605500"/>
+            <a:ext cx="12192000" cy="252500"/>
+          </a:xfrm>
+          <a:solidFill>
+            <a:schemeClr val="bg1"/>
+          </a:solidFill>
+        </p:spPr>
+        <p:txBody>
+          <a:bodyPr>
+            <a:normAutofit fontScale="77500" lnSpcReduction="20000"/>
+          </a:bodyPr>
+          <a:lstStyle/>
+          <a:p>
+            <a:r>
+              <a:rPr lang="hu-HU" sz="1800" dirty="0"/>
+              <a:t>Készítette: Király Ágoston, </a:t>
+            </a:r>
+            <a:r>
+              <a:rPr lang="hu-HU" sz="1800" dirty="0" err="1"/>
+              <a:t>Holper</a:t>
+            </a:r>
+            <a:r>
+              <a:rPr lang="hu-HU" sz="1800" dirty="0"/>
+              <a:t> Júlia</a:t>
+            </a:r>
+          </a:p>
+        </p:txBody>
+      </p:sp>
+      <p:sp>
+        <p:nvSpPr>
+          <p:cNvPr id="6" name="Téglalap 5">
+            <a:extLst>
+              <a:ext uri="{FF2B5EF4-FFF2-40B4-BE49-F238E27FC236}">
+                <a16:creationId xmlns:a16="http://schemas.microsoft.com/office/drawing/2014/main" id="{0ACDBDF8-F006-4C58-A3F6-CA5A7B717E33}"/>
+              </a:ext>
+            </a:extLst>
+          </p:cNvPr>
+          <p:cNvSpPr/>
+          <p:nvPr/>
+        </p:nvSpPr>
+        <p:spPr>
           <a:xfrm>
             <a:off x="0" y="0"/>
-            <a:ext cx="12192000" cy="6858000"/>
+            <a:ext cx="12192000" cy="252500"/>
           </a:xfrm>
           <a:prstGeom prst="rect">
             <a:avLst/>
           </a:prstGeom>
-          <a:noFill/>
-          <a:extLst>
-            <a:ext uri="{909E8E84-426E-40DD-AFC4-6F175D3DCCD1}">
-              <a14:hiddenFill xmlns:a14="http://schemas.microsoft.com/office/drawing/2010/main">
-                <a:solidFill>
-                  <a:srgbClr val="FFFFFF"/>
-                </a:solidFill>
-              </a14:hiddenFill>
-            </a:ext>
-          </a:extLst>
+          <a:solidFill>
+            <a:schemeClr val="bg1"/>
+          </a:solidFill>
+          <a:ln>
+            <a:noFill/>
+          </a:ln>
         </p:spPr>
-      </p:pic>
-      <p:sp>
-        <p:nvSpPr>
-          <p:cNvPr id="2" name="Cím 1">
-            <a:extLst>
-              <a:ext uri="{FF2B5EF4-FFF2-40B4-BE49-F238E27FC236}">
-                <a16:creationId xmlns:a16="http://schemas.microsoft.com/office/drawing/2014/main" id="{5251AC1E-DA67-45C0-9975-178D75EAEC13}"/>
-              </a:ext>
-            </a:extLst>
-          </p:cNvPr>
-          <p:cNvSpPr>
-            <a:spLocks noGrp="1"/>
-          </p:cNvSpPr>
-          <p:nvPr>
-            <p:ph type="ctrTitle"/>
-          </p:nvPr>
-        </p:nvSpPr>
-        <p:spPr>
-          <a:xfrm>
-            <a:off x="1742114" y="2822895"/>
-            <a:ext cx="9144000" cy="817097"/>
-          </a:xfrm>
-        </p:spPr>
-        <p:txBody>
-          <a:bodyPr>
-            <a:normAutofit fontScale="90000"/>
-          </a:bodyPr>
-          <a:lstStyle/>
-          <a:p>
-            <a:r>
-              <a:rPr lang="hu-HU" b="1" u="sng" dirty="0">
-                <a:solidFill>
-                  <a:schemeClr val="bg1"/>
-                </a:solidFill>
-                <a:latin typeface="Algerian" panose="04020705040A02060702" pitchFamily="82" charset="0"/>
-              </a:rPr>
-              <a:t>Legyen Ön is Milliomos</a:t>
-            </a:r>
-          </a:p>
-        </p:txBody>
-      </p:sp>
-      <p:sp>
-        <p:nvSpPr>
-          <p:cNvPr id="3" name="Alcím 2">
-            <a:extLst>
-              <a:ext uri="{FF2B5EF4-FFF2-40B4-BE49-F238E27FC236}">
-                <a16:creationId xmlns:a16="http://schemas.microsoft.com/office/drawing/2014/main" id="{63D0FA34-CD1F-4C46-B04B-9B23157A6AD9}"/>
-              </a:ext>
-            </a:extLst>
-          </p:cNvPr>
-          <p:cNvSpPr>
-            <a:spLocks noGrp="1"/>
-          </p:cNvSpPr>
-          <p:nvPr>
-            <p:ph type="subTitle" idx="1"/>
-          </p:nvPr>
-        </p:nvSpPr>
-        <p:spPr>
-          <a:xfrm>
-            <a:off x="8011486" y="6605500"/>
-            <a:ext cx="4180514" cy="252500"/>
-          </a:xfrm>
-        </p:spPr>
-        <p:txBody>
-          <a:bodyPr>
-            <a:normAutofit fontScale="77500" lnSpcReduction="20000"/>
-          </a:bodyPr>
-          <a:lstStyle/>
-          <a:p>
-            <a:r>
-              <a:rPr lang="hu-HU" sz="1800" dirty="0">
-                <a:solidFill>
-                  <a:schemeClr val="bg1"/>
-                </a:solidFill>
-                <a:latin typeface="Algerian" panose="04020705040A02060702" pitchFamily="82" charset="0"/>
-              </a:rPr>
-              <a:t>Készítette: Király Ágoston, </a:t>
-            </a:r>
-            <a:r>
-              <a:rPr lang="hu-HU" sz="1800" dirty="0" err="1">
-                <a:solidFill>
-                  <a:schemeClr val="bg1"/>
-                </a:solidFill>
-                <a:latin typeface="Algerian" panose="04020705040A02060702" pitchFamily="82" charset="0"/>
-              </a:rPr>
-              <a:t>Holper</a:t>
-            </a:r>
-            <a:r>
-              <a:rPr lang="hu-HU" sz="1800" dirty="0">
-                <a:solidFill>
-                  <a:schemeClr val="bg1"/>
-                </a:solidFill>
-                <a:latin typeface="Algerian" panose="04020705040A02060702" pitchFamily="82" charset="0"/>
-              </a:rPr>
-              <a:t> Júlia</a:t>
-            </a:r>
+        <p:style>
+          <a:lnRef idx="2">
+            <a:schemeClr val="accent1">
+              <a:shade val="50000"/>
+            </a:schemeClr>
+          </a:lnRef>
+          <a:fillRef idx="1">
+            <a:schemeClr val="accent1"/>
+          </a:fillRef>
+          <a:effectRef idx="0">
+            <a:schemeClr val="accent1"/>
+          </a:effectRef>
+          <a:fontRef idx="minor">
+            <a:schemeClr val="lt1"/>
+          </a:fontRef>
+        </p:style>
+        <p:txBody>
+          <a:bodyPr rtlCol="0" anchor="ctr"/>
+          <a:lstStyle/>
+          <a:p>
+            <a:pPr algn="ctr"/>
+            <a:endParaRPr lang="hu-HU"/>
           </a:p>
         </p:txBody>
       </p:sp>
@@ -3493,18 +3544,9 @@
   <p:clrMapOvr>
     <a:masterClrMapping/>
   </p:clrMapOvr>
-  <mc:AlternateContent xmlns:mc="http://schemas.openxmlformats.org/markup-compatibility/2006">
-    <mc:Choice xmlns:p14="http://schemas.microsoft.com/office/powerpoint/2010/main" Requires="p14">
-      <p:transition spd="med" p14:dur="700">
-        <p:fade/>
-      </p:transition>
-    </mc:Choice>
-    <mc:Fallback>
-      <p:transition spd="med">
-        <p:fade/>
-      </p:transition>
-    </mc:Fallback>
-  </mc:AlternateContent>
+  <p:transition spd="slow">
+    <p:push dir="u"/>
+  </p:transition>
 </p:sld>
 </file>
 
@@ -3525,53 +3567,69 @@
           <a:chExt cx="0" cy="0"/>
         </a:xfrm>
       </p:grpSpPr>
-      <p:pic>
-        <p:nvPicPr>
-          <p:cNvPr id="2050" name="Picture 2" descr="Who Wants To Be A Millionaire? - Background Video Loop - YouTube">
-            <a:extLst>
-              <a:ext uri="{FF2B5EF4-FFF2-40B4-BE49-F238E27FC236}">
-                <a16:creationId xmlns:a16="http://schemas.microsoft.com/office/drawing/2014/main" id="{132B20A0-0385-4D2E-B67C-48C342FBA0FF}"/>
-              </a:ext>
-            </a:extLst>
-          </p:cNvPr>
-          <p:cNvPicPr>
-            <a:picLocks noChangeAspect="1" noChangeArrowheads="1"/>
-          </p:cNvPicPr>
+      <p:sp>
+        <p:nvSpPr>
+          <p:cNvPr id="8" name="Romboid 7">
+            <a:extLst>
+              <a:ext uri="{FF2B5EF4-FFF2-40B4-BE49-F238E27FC236}">
+                <a16:creationId xmlns:a16="http://schemas.microsoft.com/office/drawing/2014/main" id="{3AFCAD3F-BBBE-4171-93AA-075508E6D38A}"/>
+              </a:ext>
+            </a:extLst>
+          </p:cNvPr>
+          <p:cNvSpPr/>
           <p:nvPr/>
-        </p:nvPicPr>
-        <p:blipFill>
-          <a:blip r:embed="rId2">
-            <a:extLst>
-              <a:ext uri="{28A0092B-C50C-407E-A947-70E740481C1C}">
-                <a14:useLocalDpi xmlns:a14="http://schemas.microsoft.com/office/drawing/2010/main" val="0"/>
-              </a:ext>
-            </a:extLst>
-          </a:blip>
-          <a:srcRect/>
-          <a:stretch>
-            <a:fillRect/>
-          </a:stretch>
-        </p:blipFill>
-        <p:spPr bwMode="auto">
+        </p:nvSpPr>
+        <p:spPr>
           <a:xfrm>
-            <a:off x="0" y="0"/>
-            <a:ext cx="12192000" cy="6858000"/>
+            <a:off x="1" y="0"/>
+            <a:ext cx="10630968" cy="6858000"/>
           </a:xfrm>
-          <a:prstGeom prst="rect">
-            <a:avLst/>
+          <a:prstGeom prst="parallelogram">
+            <a:avLst>
+              <a:gd name="adj" fmla="val 113195"/>
+            </a:avLst>
           </a:prstGeom>
-          <a:noFill/>
-          <a:extLst>
-            <a:ext uri="{909E8E84-426E-40DD-AFC4-6F175D3DCCD1}">
-              <a14:hiddenFill xmlns:a14="http://schemas.microsoft.com/office/drawing/2010/main">
-                <a:solidFill>
-                  <a:srgbClr val="FFFFFF"/>
-                </a:solidFill>
-              </a14:hiddenFill>
-            </a:ext>
-          </a:extLst>
+          <a:solidFill>
+            <a:schemeClr val="accent6">
+              <a:lumMod val="60000"/>
+              <a:lumOff val="40000"/>
+            </a:schemeClr>
+          </a:solidFill>
+          <a:scene3d>
+            <a:camera prst="orthographicFront"/>
+            <a:lightRig rig="threePt" dir="t"/>
+          </a:scene3d>
+          <a:sp3d>
+            <a:contourClr>
+              <a:schemeClr val="bg1"/>
+            </a:contourClr>
+          </a:sp3d>
         </p:spPr>
-      </p:pic>
+        <p:style>
+          <a:lnRef idx="2">
+            <a:schemeClr val="accent1">
+              <a:shade val="50000"/>
+            </a:schemeClr>
+          </a:lnRef>
+          <a:fillRef idx="1">
+            <a:schemeClr val="accent1"/>
+          </a:fillRef>
+          <a:effectRef idx="0">
+            <a:schemeClr val="accent1"/>
+          </a:effectRef>
+          <a:fontRef idx="minor">
+            <a:schemeClr val="lt1"/>
+          </a:fontRef>
+        </p:style>
+        <p:txBody>
+          <a:bodyPr rtlCol="0" anchor="ctr"/>
+          <a:lstStyle/>
+          <a:p>
+            <a:pPr algn="ctr"/>
+            <a:endParaRPr lang="hu-HU"/>
+          </a:p>
+        </p:txBody>
+      </p:sp>
       <p:sp>
         <p:nvSpPr>
           <p:cNvPr id="2" name="Cím 1">
@@ -3595,18 +3653,23 @@
           </a:xfrm>
         </p:spPr>
         <p:txBody>
-          <a:bodyPr/>
+          <a:bodyPr>
+            <a:noAutofit/>
+          </a:bodyPr>
           <a:lstStyle/>
           <a:p>
             <a:pPr algn="ctr"/>
             <a:r>
-              <a:rPr lang="hu-HU" b="1" u="sng" dirty="0">
-                <a:solidFill>
-                  <a:schemeClr val="bg1"/>
-                </a:solidFill>
-                <a:latin typeface="Agency FB" panose="020B0503020202020204" pitchFamily="34" charset="0"/>
+              <a:rPr lang="hu-HU" sz="5400" b="1" u="sng" dirty="0">
+                <a:latin typeface="+mn-lt"/>
               </a:rPr>
-              <a:t>Működése:</a:t>
+              <a:t>Működése</a:t>
+            </a:r>
+            <a:r>
+              <a:rPr lang="hu-HU" sz="5400" b="1" dirty="0">
+                <a:latin typeface="+mn-lt"/>
+              </a:rPr>
+              <a:t>:</a:t>
             </a:r>
           </a:p>
         </p:txBody>
@@ -3629,8 +3692,8 @@
         </p:nvSpPr>
         <p:spPr>
           <a:xfrm>
-            <a:off x="100668" y="1397786"/>
-            <a:ext cx="5545822" cy="4351338"/>
+            <a:off x="100667" y="1397786"/>
+            <a:ext cx="6082019" cy="5262868"/>
           </a:xfrm>
         </p:spPr>
         <p:txBody>
@@ -3644,11 +3707,8 @@
               <a:buChar char="-"/>
             </a:pPr>
             <a:r>
-              <a:rPr lang="hu-HU" dirty="0">
-                <a:solidFill>
-                  <a:schemeClr val="bg1"/>
-                </a:solidFill>
-                <a:latin typeface="Agency FB" panose="020B0503020202020204" pitchFamily="34" charset="0"/>
+              <a:rPr lang="hu-HU" sz="3200" dirty="0">
+                <a:latin typeface="Bahnschrift SemiBold Condensed" panose="020B0502040204020203" pitchFamily="34" charset="0"/>
               </a:rPr>
               <a:t>Véletlenszerű kérdések</a:t>
             </a:r>
@@ -3659,11 +3719,8 @@
               <a:buChar char="-"/>
             </a:pPr>
             <a:r>
-              <a:rPr lang="hu-HU" dirty="0">
-                <a:solidFill>
-                  <a:schemeClr val="bg1"/>
-                </a:solidFill>
-                <a:latin typeface="Agency FB" panose="020B0503020202020204" pitchFamily="34" charset="0"/>
+              <a:rPr lang="hu-HU" sz="3200" dirty="0">
+                <a:latin typeface="Bahnschrift SemiBold Condensed" panose="020B0502040204020203" pitchFamily="34" charset="0"/>
               </a:rPr>
               <a:t>Véletlenszerű választási lehetőségek</a:t>
             </a:r>
@@ -3674,11 +3731,8 @@
               <a:buChar char="-"/>
             </a:pPr>
             <a:r>
-              <a:rPr lang="hu-HU" dirty="0">
-                <a:solidFill>
-                  <a:schemeClr val="bg1"/>
-                </a:solidFill>
-                <a:latin typeface="Agency FB" panose="020B0503020202020204" pitchFamily="34" charset="0"/>
+              <a:rPr lang="hu-HU" sz="3200" dirty="0">
+                <a:latin typeface="Bahnschrift SemiBold Condensed" panose="020B0502040204020203" pitchFamily="34" charset="0"/>
               </a:rPr>
               <a:t>A kérdések nehézsége változik</a:t>
             </a:r>
@@ -3689,11 +3743,8 @@
               <a:buChar char="-"/>
             </a:pPr>
             <a:r>
-              <a:rPr lang="hu-HU" dirty="0">
-                <a:solidFill>
-                  <a:schemeClr val="bg1"/>
-                </a:solidFill>
-                <a:latin typeface="Agency FB" panose="020B0503020202020204" pitchFamily="34" charset="0"/>
+              <a:rPr lang="hu-HU" sz="3200" dirty="0">
+                <a:latin typeface="Bahnschrift SemiBold Condensed" panose="020B0502040204020203" pitchFamily="34" charset="0"/>
               </a:rPr>
               <a:t>A nyeremény értéke kérdésenként növekszik</a:t>
             </a:r>
@@ -3704,11 +3755,8 @@
               <a:buChar char="-"/>
             </a:pPr>
             <a:r>
-              <a:rPr lang="hu-HU" dirty="0">
-                <a:solidFill>
-                  <a:schemeClr val="bg1"/>
-                </a:solidFill>
-                <a:latin typeface="Agency FB" panose="020B0503020202020204" pitchFamily="34" charset="0"/>
+              <a:rPr lang="hu-HU" sz="3200" dirty="0">
+                <a:latin typeface="Bahnschrift SemiBold Condensed" panose="020B0502040204020203" pitchFamily="34" charset="0"/>
               </a:rPr>
               <a:t>Kérdést hozzá lehet adni</a:t>
             </a:r>
@@ -3719,11 +3767,8 @@
               <a:buChar char="-"/>
             </a:pPr>
             <a:r>
-              <a:rPr lang="hu-HU" dirty="0">
-                <a:solidFill>
-                  <a:schemeClr val="bg1"/>
-                </a:solidFill>
-                <a:latin typeface="Agency FB" panose="020B0503020202020204" pitchFamily="34" charset="0"/>
+              <a:rPr lang="hu-HU" sz="3200" dirty="0">
+                <a:latin typeface="Bahnschrift SemiBold Condensed" panose="020B0502040204020203" pitchFamily="34" charset="0"/>
               </a:rPr>
               <a:t>Rossz válasz után a játéknak vége van</a:t>
             </a:r>
@@ -3734,11 +3779,8 @@
               <a:buChar char="-"/>
             </a:pPr>
             <a:r>
-              <a:rPr lang="hu-HU" dirty="0">
-                <a:solidFill>
-                  <a:schemeClr val="bg1"/>
-                </a:solidFill>
-                <a:latin typeface="Agency FB" panose="020B0503020202020204" pitchFamily="34" charset="0"/>
+              <a:rPr lang="hu-HU" sz="3200" dirty="0">
+                <a:latin typeface="Bahnschrift SemiBold Condensed" panose="020B0502040204020203" pitchFamily="34" charset="0"/>
               </a:rPr>
               <a:t>Csak a megadott lehetőségekből fogadja el a választ</a:t>
             </a:r>
@@ -3754,10 +3796,10 @@
       </p:sp>
       <p:pic>
         <p:nvPicPr>
-          <p:cNvPr id="4" name="Kép 3">
-            <a:extLst>
-              <a:ext uri="{FF2B5EF4-FFF2-40B4-BE49-F238E27FC236}">
-                <a16:creationId xmlns:a16="http://schemas.microsoft.com/office/drawing/2014/main" id="{C73CC151-BEBC-432E-895C-F9BCD949DD30}"/>
+          <p:cNvPr id="10" name="Kép 9">
+            <a:extLst>
+              <a:ext uri="{FF2B5EF4-FFF2-40B4-BE49-F238E27FC236}">
+                <a16:creationId xmlns:a16="http://schemas.microsoft.com/office/drawing/2014/main" id="{141475DA-F09D-4708-B5E7-5DF809B14D73}"/>
               </a:ext>
             </a:extLst>
           </p:cNvPr>
@@ -3767,15 +3809,15 @@
           <p:nvPr/>
         </p:nvPicPr>
         <p:blipFill>
-          <a:blip r:embed="rId3"/>
+          <a:blip r:embed="rId2"/>
           <a:stretch>
             <a:fillRect/>
           </a:stretch>
         </p:blipFill>
         <p:spPr>
           <a:xfrm>
-            <a:off x="5553460" y="1397786"/>
-            <a:ext cx="6537872" cy="3677553"/>
+            <a:off x="6275873" y="1793402"/>
+            <a:ext cx="5815460" cy="3271196"/>
           </a:xfrm>
           <a:prstGeom prst="roundRect">
             <a:avLst>
@@ -3842,7 +3884,7 @@
                                           </p:stCondLst>
                                         </p:cTn>
                                         <p:tgtEl>
-                                          <p:spTgt spid="4"/>
+                                          <p:spTgt spid="10"/>
                                         </p:tgtEl>
                                         <p:attrNameLst>
                                           <p:attrName>style.visibility</p:attrName>
@@ -3856,7 +3898,7 @@
                                       <p:cBhvr>
                                         <p:cTn id="7" dur="1000" fill="hold"/>
                                         <p:tgtEl>
-                                          <p:spTgt spid="4"/>
+                                          <p:spTgt spid="10"/>
                                         </p:tgtEl>
                                         <p:attrNameLst>
                                           <p:attrName>ppt_w</p:attrName>
@@ -3879,7 +3921,7 @@
                                       <p:cBhvr>
                                         <p:cTn id="8" dur="1000" fill="hold"/>
                                         <p:tgtEl>
-                                          <p:spTgt spid="4"/>
+                                          <p:spTgt spid="10"/>
                                         </p:tgtEl>
                                         <p:attrNameLst>
                                           <p:attrName>ppt_h</p:attrName>
@@ -3902,7 +3944,7 @@
                                       <p:cBhvr>
                                         <p:cTn id="9" dur="1000" fill="hold"/>
                                         <p:tgtEl>
-                                          <p:spTgt spid="4"/>
+                                          <p:spTgt spid="10"/>
                                         </p:tgtEl>
                                         <p:attrNameLst>
                                           <p:attrName>style.rotation</p:attrName>
@@ -3925,7 +3967,7 @@
                                       <p:cBhvr>
                                         <p:cTn id="10" dur="1000"/>
                                         <p:tgtEl>
-                                          <p:spTgt spid="4"/>
+                                          <p:spTgt spid="10"/>
                                         </p:tgtEl>
                                       </p:cBhvr>
                                     </p:animEffect>
@@ -3980,53 +4022,6 @@
           <a:chExt cx="0" cy="0"/>
         </a:xfrm>
       </p:grpSpPr>
-      <p:pic>
-        <p:nvPicPr>
-          <p:cNvPr id="11" name="Picture 2" descr="Who Wants To Be A Millionaire? - Background Video Loop - YouTube">
-            <a:extLst>
-              <a:ext uri="{FF2B5EF4-FFF2-40B4-BE49-F238E27FC236}">
-                <a16:creationId xmlns:a16="http://schemas.microsoft.com/office/drawing/2014/main" id="{33FE1B37-6042-45E4-A89C-23F4F5F68F69}"/>
-              </a:ext>
-            </a:extLst>
-          </p:cNvPr>
-          <p:cNvPicPr>
-            <a:picLocks noChangeAspect="1" noChangeArrowheads="1"/>
-          </p:cNvPicPr>
-          <p:nvPr/>
-        </p:nvPicPr>
-        <p:blipFill>
-          <a:blip r:embed="rId2">
-            <a:extLst>
-              <a:ext uri="{28A0092B-C50C-407E-A947-70E740481C1C}">
-                <a14:useLocalDpi xmlns:a14="http://schemas.microsoft.com/office/drawing/2010/main" val="0"/>
-              </a:ext>
-            </a:extLst>
-          </a:blip>
-          <a:srcRect/>
-          <a:stretch>
-            <a:fillRect/>
-          </a:stretch>
-        </p:blipFill>
-        <p:spPr bwMode="auto">
-          <a:xfrm>
-            <a:off x="0" y="0"/>
-            <a:ext cx="12192000" cy="6858000"/>
-          </a:xfrm>
-          <a:prstGeom prst="rect">
-            <a:avLst/>
-          </a:prstGeom>
-          <a:noFill/>
-          <a:extLst>
-            <a:ext uri="{909E8E84-426E-40DD-AFC4-6F175D3DCCD1}">
-              <a14:hiddenFill xmlns:a14="http://schemas.microsoft.com/office/drawing/2010/main">
-                <a:solidFill>
-                  <a:srgbClr val="FFFFFF"/>
-                </a:solidFill>
-              </a14:hiddenFill>
-            </a:ext>
-          </a:extLst>
-        </p:spPr>
-      </p:pic>
       <p:sp>
         <p:nvSpPr>
           <p:cNvPr id="2" name="Cím 1">
@@ -4056,9 +4051,6 @@
             <a:pPr algn="ctr"/>
             <a:r>
               <a:rPr lang="hu-HU" b="1" u="sng" dirty="0">
-                <a:solidFill>
-                  <a:schemeClr val="bg1"/>
-                </a:solidFill>
                 <a:latin typeface="Agency FB" panose="020B0503020202020204" pitchFamily="34" charset="0"/>
               </a:rPr>
               <a:t>Nyeremények</a:t>
@@ -4066,44 +4058,6 @@
           </a:p>
         </p:txBody>
       </p:sp>
-      <p:pic>
-        <p:nvPicPr>
-          <p:cNvPr id="9" name="Tartalom helye 8">
-            <a:extLst>
-              <a:ext uri="{FF2B5EF4-FFF2-40B4-BE49-F238E27FC236}">
-                <a16:creationId xmlns:a16="http://schemas.microsoft.com/office/drawing/2014/main" id="{ACAD6128-853A-4D38-A14A-3938CA922EED}"/>
-              </a:ext>
-            </a:extLst>
-          </p:cNvPr>
-          <p:cNvPicPr>
-            <a:picLocks noGrp="1" noChangeAspect="1"/>
-          </p:cNvPicPr>
-          <p:nvPr>
-            <p:ph idx="1"/>
-          </p:nvPr>
-        </p:nvPicPr>
-        <p:blipFill>
-          <a:blip r:embed="rId3">
-            <a:extLst>
-              <a:ext uri="{28A0092B-C50C-407E-A947-70E740481C1C}">
-                <a14:useLocalDpi xmlns:a14="http://schemas.microsoft.com/office/drawing/2010/main" val="0"/>
-              </a:ext>
-            </a:extLst>
-          </a:blip>
-          <a:stretch>
-            <a:fillRect/>
-          </a:stretch>
-        </p:blipFill>
-        <p:spPr>
-          <a:xfrm>
-            <a:off x="4357298" y="2128625"/>
-            <a:ext cx="3607350" cy="4395785"/>
-          </a:xfrm>
-          <a:prstGeom prst="rect">
-            <a:avLst/>
-          </a:prstGeom>
-        </p:spPr>
-      </p:pic>
       <p:sp>
         <p:nvSpPr>
           <p:cNvPr id="8" name="Szövegdoboz 7">
@@ -4145,6 +4099,96 @@
           </a:p>
         </p:txBody>
       </p:sp>
+      <p:sp>
+        <p:nvSpPr>
+          <p:cNvPr id="3" name="Derékszögű háromszög 2">
+            <a:extLst>
+              <a:ext uri="{FF2B5EF4-FFF2-40B4-BE49-F238E27FC236}">
+                <a16:creationId xmlns:a16="http://schemas.microsoft.com/office/drawing/2014/main" id="{938B2BA2-49C3-478E-B67E-80ED11CA70CA}"/>
+              </a:ext>
+            </a:extLst>
+          </p:cNvPr>
+          <p:cNvSpPr/>
+          <p:nvPr/>
+        </p:nvSpPr>
+        <p:spPr>
+          <a:xfrm>
+            <a:off x="0" y="0"/>
+            <a:ext cx="12192000" cy="6858000"/>
+          </a:xfrm>
+          <a:prstGeom prst="rtTriangle">
+            <a:avLst/>
+          </a:prstGeom>
+          <a:solidFill>
+            <a:schemeClr val="accent6">
+              <a:lumMod val="60000"/>
+              <a:lumOff val="40000"/>
+            </a:schemeClr>
+          </a:solidFill>
+        </p:spPr>
+        <p:style>
+          <a:lnRef idx="2">
+            <a:schemeClr val="accent1">
+              <a:shade val="50000"/>
+            </a:schemeClr>
+          </a:lnRef>
+          <a:fillRef idx="1">
+            <a:schemeClr val="accent1"/>
+          </a:fillRef>
+          <a:effectRef idx="0">
+            <a:schemeClr val="accent1"/>
+          </a:effectRef>
+          <a:fontRef idx="minor">
+            <a:schemeClr val="lt1"/>
+          </a:fontRef>
+        </p:style>
+        <p:txBody>
+          <a:bodyPr rtlCol="0" anchor="ctr"/>
+          <a:lstStyle/>
+          <a:p>
+            <a:pPr algn="ctr"/>
+            <a:endParaRPr lang="hu-HU"/>
+          </a:p>
+        </p:txBody>
+      </p:sp>
+      <p:pic>
+        <p:nvPicPr>
+          <p:cNvPr id="9" name="Tartalom helye 8">
+            <a:extLst>
+              <a:ext uri="{FF2B5EF4-FFF2-40B4-BE49-F238E27FC236}">
+                <a16:creationId xmlns:a16="http://schemas.microsoft.com/office/drawing/2014/main" id="{ACAD6128-853A-4D38-A14A-3938CA922EED}"/>
+              </a:ext>
+            </a:extLst>
+          </p:cNvPr>
+          <p:cNvPicPr>
+            <a:picLocks noGrp="1" noChangeAspect="1"/>
+          </p:cNvPicPr>
+          <p:nvPr>
+            <p:ph idx="1"/>
+          </p:nvPr>
+        </p:nvPicPr>
+        <p:blipFill>
+          <a:blip r:embed="rId2">
+            <a:extLst>
+              <a:ext uri="{28A0092B-C50C-407E-A947-70E740481C1C}">
+                <a14:useLocalDpi xmlns:a14="http://schemas.microsoft.com/office/drawing/2010/main" val="0"/>
+              </a:ext>
+            </a:extLst>
+          </a:blip>
+          <a:stretch>
+            <a:fillRect/>
+          </a:stretch>
+        </p:blipFill>
+        <p:spPr>
+          <a:xfrm>
+            <a:off x="4237732" y="1465484"/>
+            <a:ext cx="3607350" cy="4395785"/>
+          </a:xfrm>
+          <a:prstGeom prst="rect">
+            <a:avLst/>
+          </a:prstGeom>
+        </p:spPr>
+      </p:pic>
     </p:spTree>
     <p:extLst>
       <p:ext uri="{BB962C8B-B14F-4D97-AF65-F5344CB8AC3E}">
@@ -4178,53 +4222,58 @@
           <a:chExt cx="0" cy="0"/>
         </a:xfrm>
       </p:grpSpPr>
-      <p:pic>
-        <p:nvPicPr>
-          <p:cNvPr id="4" name="Picture 4" descr="Who Wants To Be A Millionaire? - Background Video Loop - YouTube">
-            <a:extLst>
-              <a:ext uri="{FF2B5EF4-FFF2-40B4-BE49-F238E27FC236}">
-                <a16:creationId xmlns:a16="http://schemas.microsoft.com/office/drawing/2014/main" id="{499DA772-1397-4698-9FC4-2943B098EAA4}"/>
-              </a:ext>
-            </a:extLst>
-          </p:cNvPr>
-          <p:cNvPicPr>
-            <a:picLocks noChangeAspect="1" noChangeArrowheads="1"/>
-          </p:cNvPicPr>
+      <p:sp>
+        <p:nvSpPr>
+          <p:cNvPr id="3" name="Téglalap: átellenes sarkain levágva 2">
+            <a:extLst>
+              <a:ext uri="{FF2B5EF4-FFF2-40B4-BE49-F238E27FC236}">
+                <a16:creationId xmlns:a16="http://schemas.microsoft.com/office/drawing/2014/main" id="{499C568A-092E-4080-B3BA-7BE3EB26BB6D}"/>
+              </a:ext>
+            </a:extLst>
+          </p:cNvPr>
+          <p:cNvSpPr/>
           <p:nvPr/>
-        </p:nvPicPr>
-        <p:blipFill>
-          <a:blip r:embed="rId2">
-            <a:extLst>
-              <a:ext uri="{28A0092B-C50C-407E-A947-70E740481C1C}">
-                <a14:useLocalDpi xmlns:a14="http://schemas.microsoft.com/office/drawing/2010/main" val="0"/>
-              </a:ext>
-            </a:extLst>
-          </a:blip>
-          <a:srcRect/>
-          <a:stretch>
-            <a:fillRect/>
-          </a:stretch>
-        </p:blipFill>
-        <p:spPr bwMode="auto">
+        </p:nvSpPr>
+        <p:spPr>
           <a:xfrm>
-            <a:off x="0" y="0"/>
-            <a:ext cx="12192000" cy="6858000"/>
+            <a:off x="370514" y="111154"/>
+            <a:ext cx="11450972" cy="6635692"/>
           </a:xfrm>
-          <a:prstGeom prst="rect">
+          <a:prstGeom prst="snip2DiagRect">
             <a:avLst/>
           </a:prstGeom>
-          <a:noFill/>
-          <a:extLst>
-            <a:ext uri="{909E8E84-426E-40DD-AFC4-6F175D3DCCD1}">
-              <a14:hiddenFill xmlns:a14="http://schemas.microsoft.com/office/drawing/2010/main">
-                <a:solidFill>
-                  <a:srgbClr val="FFFFFF"/>
-                </a:solidFill>
-              </a14:hiddenFill>
-            </a:ext>
-          </a:extLst>
+          <a:solidFill>
+            <a:schemeClr val="accent6">
+              <a:lumMod val="60000"/>
+              <a:lumOff val="40000"/>
+            </a:schemeClr>
+          </a:solidFill>
         </p:spPr>
-      </p:pic>
+        <p:style>
+          <a:lnRef idx="2">
+            <a:schemeClr val="accent1">
+              <a:shade val="50000"/>
+            </a:schemeClr>
+          </a:lnRef>
+          <a:fillRef idx="1">
+            <a:schemeClr val="accent1"/>
+          </a:fillRef>
+          <a:effectRef idx="0">
+            <a:schemeClr val="accent1"/>
+          </a:effectRef>
+          <a:fontRef idx="minor">
+            <a:schemeClr val="lt1"/>
+          </a:fontRef>
+        </p:style>
+        <p:txBody>
+          <a:bodyPr rtlCol="0" anchor="ctr"/>
+          <a:lstStyle/>
+          <a:p>
+            <a:pPr algn="ctr"/>
+            <a:endParaRPr lang="hu-HU"/>
+          </a:p>
+        </p:txBody>
+      </p:sp>
       <p:sp>
         <p:nvSpPr>
           <p:cNvPr id="2" name="Cím 1">
@@ -4253,9 +4302,6 @@
           <a:p>
             <a:r>
               <a:rPr lang="hu-HU" b="1" u="sng" dirty="0">
-                <a:solidFill>
-                  <a:schemeClr val="bg1"/>
-                </a:solidFill>
                 <a:latin typeface="Agency FB" panose="020B0503020202020204" pitchFamily="34" charset="0"/>
               </a:rPr>
               <a:t>Köszönjük a Figyelmet!</a:t>
@@ -4278,7 +4324,7 @@
           <p:nvPr/>
         </p:nvPicPr>
         <p:blipFill>
-          <a:blip r:embed="rId3"/>
+          <a:blip r:embed="rId2"/>
           <a:stretch>
             <a:fillRect/>
           </a:stretch>

--- a/milliomos.pptx
+++ b/milliomos.pptx
@@ -274,7 +274,7 @@
           <a:p>
             <a:fld id="{17DA6C2F-336F-4D64-B39A-CC0EA0D10E0D}" type="datetimeFigureOut">
               <a:rPr lang="hu-HU" smtClean="0"/>
-              <a:t>2022.11.30</a:t>
+              <a:t>2022. 11. 30.</a:t>
             </a:fld>
             <a:endParaRPr lang="hu-HU"/>
           </a:p>
@@ -472,7 +472,7 @@
           <a:p>
             <a:fld id="{17DA6C2F-336F-4D64-B39A-CC0EA0D10E0D}" type="datetimeFigureOut">
               <a:rPr lang="hu-HU" smtClean="0"/>
-              <a:t>2022.11.30</a:t>
+              <a:t>2022. 11. 30.</a:t>
             </a:fld>
             <a:endParaRPr lang="hu-HU"/>
           </a:p>
@@ -680,7 +680,7 @@
           <a:p>
             <a:fld id="{17DA6C2F-336F-4D64-B39A-CC0EA0D10E0D}" type="datetimeFigureOut">
               <a:rPr lang="hu-HU" smtClean="0"/>
-              <a:t>2022.11.30</a:t>
+              <a:t>2022. 11. 30.</a:t>
             </a:fld>
             <a:endParaRPr lang="hu-HU"/>
           </a:p>
@@ -878,7 +878,7 @@
           <a:p>
             <a:fld id="{17DA6C2F-336F-4D64-B39A-CC0EA0D10E0D}" type="datetimeFigureOut">
               <a:rPr lang="hu-HU" smtClean="0"/>
-              <a:t>2022.11.30</a:t>
+              <a:t>2022. 11. 30.</a:t>
             </a:fld>
             <a:endParaRPr lang="hu-HU"/>
           </a:p>
@@ -1153,7 +1153,7 @@
           <a:p>
             <a:fld id="{17DA6C2F-336F-4D64-B39A-CC0EA0D10E0D}" type="datetimeFigureOut">
               <a:rPr lang="hu-HU" smtClean="0"/>
-              <a:t>2022.11.30</a:t>
+              <a:t>2022. 11. 30.</a:t>
             </a:fld>
             <a:endParaRPr lang="hu-HU"/>
           </a:p>
@@ -1418,7 +1418,7 @@
           <a:p>
             <a:fld id="{17DA6C2F-336F-4D64-B39A-CC0EA0D10E0D}" type="datetimeFigureOut">
               <a:rPr lang="hu-HU" smtClean="0"/>
-              <a:t>2022.11.30</a:t>
+              <a:t>2022. 11. 30.</a:t>
             </a:fld>
             <a:endParaRPr lang="hu-HU"/>
           </a:p>
@@ -1830,7 +1830,7 @@
           <a:p>
             <a:fld id="{17DA6C2F-336F-4D64-B39A-CC0EA0D10E0D}" type="datetimeFigureOut">
               <a:rPr lang="hu-HU" smtClean="0"/>
-              <a:t>2022.11.30</a:t>
+              <a:t>2022. 11. 30.</a:t>
             </a:fld>
             <a:endParaRPr lang="hu-HU"/>
           </a:p>
@@ -1971,7 +1971,7 @@
           <a:p>
             <a:fld id="{17DA6C2F-336F-4D64-B39A-CC0EA0D10E0D}" type="datetimeFigureOut">
               <a:rPr lang="hu-HU" smtClean="0"/>
-              <a:t>2022.11.30</a:t>
+              <a:t>2022. 11. 30.</a:t>
             </a:fld>
             <a:endParaRPr lang="hu-HU"/>
           </a:p>
@@ -2084,7 +2084,7 @@
           <a:p>
             <a:fld id="{17DA6C2F-336F-4D64-B39A-CC0EA0D10E0D}" type="datetimeFigureOut">
               <a:rPr lang="hu-HU" smtClean="0"/>
-              <a:t>2022.11.30</a:t>
+              <a:t>2022. 11. 30.</a:t>
             </a:fld>
             <a:endParaRPr lang="hu-HU"/>
           </a:p>
@@ -2395,7 +2395,7 @@
           <a:p>
             <a:fld id="{17DA6C2F-336F-4D64-B39A-CC0EA0D10E0D}" type="datetimeFigureOut">
               <a:rPr lang="hu-HU" smtClean="0"/>
-              <a:t>2022.11.30</a:t>
+              <a:t>2022. 11. 30.</a:t>
             </a:fld>
             <a:endParaRPr lang="hu-HU"/>
           </a:p>
@@ -2683,7 +2683,7 @@
           <a:p>
             <a:fld id="{17DA6C2F-336F-4D64-B39A-CC0EA0D10E0D}" type="datetimeFigureOut">
               <a:rPr lang="hu-HU" smtClean="0"/>
-              <a:t>2022.11.30</a:t>
+              <a:t>2022. 11. 30.</a:t>
             </a:fld>
             <a:endParaRPr lang="hu-HU"/>
           </a:p>
@@ -2924,7 +2924,7 @@
           <a:p>
             <a:fld id="{17DA6C2F-336F-4D64-B39A-CC0EA0D10E0D}" type="datetimeFigureOut">
               <a:rPr lang="hu-HU" smtClean="0"/>
-              <a:t>2022.11.30</a:t>
+              <a:t>2022. 11. 30.</a:t>
             </a:fld>
             <a:endParaRPr lang="hu-HU"/>
           </a:p>
@@ -3569,6 +3569,58 @@
       </p:grpSpPr>
       <p:sp>
         <p:nvSpPr>
+          <p:cNvPr id="4" name="Romboid 3">
+            <a:extLst>
+              <a:ext uri="{FF2B5EF4-FFF2-40B4-BE49-F238E27FC236}">
+                <a16:creationId xmlns:a16="http://schemas.microsoft.com/office/drawing/2014/main" id="{AA254D9E-5C31-354D-8381-82FBED1DE59B}"/>
+              </a:ext>
+            </a:extLst>
+          </p:cNvPr>
+          <p:cNvSpPr/>
+          <p:nvPr/>
+        </p:nvSpPr>
+        <p:spPr>
+          <a:xfrm flipH="1">
+            <a:off x="3580731" y="-19630"/>
+            <a:ext cx="2702620" cy="6877630"/>
+          </a:xfrm>
+          <a:prstGeom prst="parallelogram">
+            <a:avLst/>
+          </a:prstGeom>
+          <a:solidFill>
+            <a:schemeClr val="accent6">
+              <a:lumMod val="60000"/>
+              <a:lumOff val="40000"/>
+            </a:schemeClr>
+          </a:solidFill>
+        </p:spPr>
+        <p:style>
+          <a:lnRef idx="2">
+            <a:schemeClr val="accent1">
+              <a:shade val="50000"/>
+            </a:schemeClr>
+          </a:lnRef>
+          <a:fillRef idx="1">
+            <a:schemeClr val="accent1"/>
+          </a:fillRef>
+          <a:effectRef idx="0">
+            <a:schemeClr val="accent1"/>
+          </a:effectRef>
+          <a:fontRef idx="minor">
+            <a:schemeClr val="lt1"/>
+          </a:fontRef>
+        </p:style>
+        <p:txBody>
+          <a:bodyPr rtlCol="0" anchor="ctr"/>
+          <a:lstStyle/>
+          <a:p>
+            <a:pPr algn="ctr"/>
+            <a:endParaRPr lang="hu-HU"/>
+          </a:p>
+        </p:txBody>
+      </p:sp>
+      <p:sp>
+        <p:nvSpPr>
           <p:cNvPr id="8" name="Romboid 7">
             <a:extLst>
               <a:ext uri="{FF2B5EF4-FFF2-40B4-BE49-F238E27FC236}">
@@ -3692,8 +3744,8 @@
         </p:nvSpPr>
         <p:spPr>
           <a:xfrm>
-            <a:off x="100667" y="1397786"/>
-            <a:ext cx="6082019" cy="5262868"/>
+            <a:off x="100667" y="1220804"/>
+            <a:ext cx="6082019" cy="5439850"/>
           </a:xfrm>
         </p:spPr>
         <p:txBody>
@@ -3759,6 +3811,18 @@
                 <a:latin typeface="Bahnschrift SemiBold Condensed" panose="020B0502040204020203" pitchFamily="34" charset="0"/>
               </a:rPr>
               <a:t>Kérdést hozzá lehet adni</a:t>
+            </a:r>
+          </a:p>
+          <a:p>
+            <a:pPr>
+              <a:buFontTx/>
+              <a:buChar char="-"/>
+            </a:pPr>
+            <a:r>
+              <a:rPr lang="hu-HU" sz="3200" dirty="0">
+                <a:latin typeface="Bahnschrift SemiBold Condensed" panose="020B0502040204020203" pitchFamily="34" charset="0"/>
+              </a:rPr>
+              <a:t>Egy kérdés 1x fordul elő</a:t>
             </a:r>
           </a:p>
           <a:p>
@@ -3850,158 +3914,6 @@
   <p:transition spd="med">
     <p:pull/>
   </p:transition>
-  <p:timing>
-    <p:tnLst>
-      <p:par>
-        <p:cTn id="1" dur="indefinite" restart="never" nodeType="tmRoot">
-          <p:childTnLst>
-            <p:seq concurrent="1" nextAc="seek">
-              <p:cTn id="2" dur="indefinite" nodeType="mainSeq">
-                <p:childTnLst>
-                  <p:par>
-                    <p:cTn id="3" fill="hold">
-                      <p:stCondLst>
-                        <p:cond delay="indefinite"/>
-                      </p:stCondLst>
-                      <p:childTnLst>
-                        <p:par>
-                          <p:cTn id="4" fill="hold">
-                            <p:stCondLst>
-                              <p:cond delay="0"/>
-                            </p:stCondLst>
-                            <p:childTnLst>
-                              <p:par>
-                                <p:cTn id="5" presetID="31" presetClass="entr" presetSubtype="0" fill="hold" nodeType="clickEffect">
-                                  <p:stCondLst>
-                                    <p:cond delay="0"/>
-                                  </p:stCondLst>
-                                  <p:childTnLst>
-                                    <p:set>
-                                      <p:cBhvr>
-                                        <p:cTn id="6" dur="1" fill="hold">
-                                          <p:stCondLst>
-                                            <p:cond delay="0"/>
-                                          </p:stCondLst>
-                                        </p:cTn>
-                                        <p:tgtEl>
-                                          <p:spTgt spid="10"/>
-                                        </p:tgtEl>
-                                        <p:attrNameLst>
-                                          <p:attrName>style.visibility</p:attrName>
-                                        </p:attrNameLst>
-                                      </p:cBhvr>
-                                      <p:to>
-                                        <p:strVal val="visible"/>
-                                      </p:to>
-                                    </p:set>
-                                    <p:anim calcmode="lin" valueType="num">
-                                      <p:cBhvr>
-                                        <p:cTn id="7" dur="1000" fill="hold"/>
-                                        <p:tgtEl>
-                                          <p:spTgt spid="10"/>
-                                        </p:tgtEl>
-                                        <p:attrNameLst>
-                                          <p:attrName>ppt_w</p:attrName>
-                                        </p:attrNameLst>
-                                      </p:cBhvr>
-                                      <p:tavLst>
-                                        <p:tav tm="0">
-                                          <p:val>
-                                            <p:fltVal val="0"/>
-                                          </p:val>
-                                        </p:tav>
-                                        <p:tav tm="100000">
-                                          <p:val>
-                                            <p:strVal val="#ppt_w"/>
-                                          </p:val>
-                                        </p:tav>
-                                      </p:tavLst>
-                                    </p:anim>
-                                    <p:anim calcmode="lin" valueType="num">
-                                      <p:cBhvr>
-                                        <p:cTn id="8" dur="1000" fill="hold"/>
-                                        <p:tgtEl>
-                                          <p:spTgt spid="10"/>
-                                        </p:tgtEl>
-                                        <p:attrNameLst>
-                                          <p:attrName>ppt_h</p:attrName>
-                                        </p:attrNameLst>
-                                      </p:cBhvr>
-                                      <p:tavLst>
-                                        <p:tav tm="0">
-                                          <p:val>
-                                            <p:fltVal val="0"/>
-                                          </p:val>
-                                        </p:tav>
-                                        <p:tav tm="100000">
-                                          <p:val>
-                                            <p:strVal val="#ppt_h"/>
-                                          </p:val>
-                                        </p:tav>
-                                      </p:tavLst>
-                                    </p:anim>
-                                    <p:anim calcmode="lin" valueType="num">
-                                      <p:cBhvr>
-                                        <p:cTn id="9" dur="1000" fill="hold"/>
-                                        <p:tgtEl>
-                                          <p:spTgt spid="10"/>
-                                        </p:tgtEl>
-                                        <p:attrNameLst>
-                                          <p:attrName>style.rotation</p:attrName>
-                                        </p:attrNameLst>
-                                      </p:cBhvr>
-                                      <p:tavLst>
-                                        <p:tav tm="0">
-                                          <p:val>
-                                            <p:fltVal val="90"/>
-                                          </p:val>
-                                        </p:tav>
-                                        <p:tav tm="100000">
-                                          <p:val>
-                                            <p:fltVal val="0"/>
-                                          </p:val>
-                                        </p:tav>
-                                      </p:tavLst>
-                                    </p:anim>
-                                    <p:animEffect transition="in" filter="fade">
-                                      <p:cBhvr>
-                                        <p:cTn id="10" dur="1000"/>
-                                        <p:tgtEl>
-                                          <p:spTgt spid="10"/>
-                                        </p:tgtEl>
-                                      </p:cBhvr>
-                                    </p:animEffect>
-                                  </p:childTnLst>
-                                </p:cTn>
-                              </p:par>
-                            </p:childTnLst>
-                          </p:cTn>
-                        </p:par>
-                      </p:childTnLst>
-                    </p:cTn>
-                  </p:par>
-                </p:childTnLst>
-              </p:cTn>
-              <p:prevCondLst>
-                <p:cond evt="onPrev" delay="0">
-                  <p:tgtEl>
-                    <p:sldTgt/>
-                  </p:tgtEl>
-                </p:cond>
-              </p:prevCondLst>
-              <p:nextCondLst>
-                <p:cond evt="onNext" delay="0">
-                  <p:tgtEl>
-                    <p:sldTgt/>
-                  </p:tgtEl>
-                </p:cond>
-              </p:nextCondLst>
-            </p:seq>
-          </p:childTnLst>
-        </p:cTn>
-      </p:par>
-    </p:tnLst>
-  </p:timing>
 </p:sld>
 </file>
 
@@ -4181,14 +4093,51 @@
         </p:blipFill>
         <p:spPr>
           <a:xfrm>
-            <a:off x="4237732" y="1465484"/>
-            <a:ext cx="3607350" cy="4395785"/>
+            <a:off x="4051867" y="1465484"/>
+            <a:ext cx="4088265" cy="4981811"/>
           </a:xfrm>
           <a:prstGeom prst="rect">
             <a:avLst/>
           </a:prstGeom>
         </p:spPr>
       </p:pic>
+      <p:sp>
+        <p:nvSpPr>
+          <p:cNvPr id="4" name="Szövegdoboz 3">
+            <a:extLst>
+              <a:ext uri="{FF2B5EF4-FFF2-40B4-BE49-F238E27FC236}">
+                <a16:creationId xmlns:a16="http://schemas.microsoft.com/office/drawing/2014/main" id="{6FB174F3-280D-2B1E-29B0-58A9CD5EE8B6}"/>
+              </a:ext>
+            </a:extLst>
+          </p:cNvPr>
+          <p:cNvSpPr txBox="1"/>
+          <p:nvPr/>
+        </p:nvSpPr>
+        <p:spPr>
+          <a:xfrm>
+            <a:off x="201477" y="2992191"/>
+            <a:ext cx="4029559" cy="954107"/>
+          </a:xfrm>
+          <a:prstGeom prst="rect">
+            <a:avLst/>
+          </a:prstGeom>
+          <a:noFill/>
+        </p:spPr>
+        <p:txBody>
+          <a:bodyPr wrap="square" rtlCol="0">
+            <a:spAutoFit/>
+          </a:bodyPr>
+          <a:lstStyle/>
+          <a:p>
+            <a:r>
+              <a:rPr lang="hu-HU" sz="2800" dirty="0">
+                <a:latin typeface="Bahnschrift SemiBold Condensed" panose="020B0502040204020203" pitchFamily="34" charset="0"/>
+              </a:rPr>
+              <a:t>Így alakulnak a nyeremények minden egyes jó válaszért:</a:t>
+            </a:r>
+          </a:p>
+        </p:txBody>
+      </p:sp>
     </p:spTree>
     <p:extLst>
       <p:ext uri="{BB962C8B-B14F-4D97-AF65-F5344CB8AC3E}">
@@ -4240,7 +4189,10 @@
             <a:ext cx="11450972" cy="6635692"/>
           </a:xfrm>
           <a:prstGeom prst="snip2DiagRect">
-            <a:avLst/>
+            <a:avLst>
+              <a:gd name="adj1" fmla="val 28261"/>
+              <a:gd name="adj2" fmla="val 16667"/>
+            </a:avLst>
           </a:prstGeom>
           <a:solidFill>
             <a:schemeClr val="accent6">
